--- a/Non Compensatory Recommendation.pptx
+++ b/Non Compensatory Recommendation.pptx
@@ -296,7 +296,8 @@
           <a:p>
             <a:fld id="{1B6BA302-5846-4773-BE8A-B7DDB92A2E4C}" type="datetimeFigureOut">
               <a:rPr lang="zh-CN" altLang="en-US" smtClean="0"/>
-              <a:t>2018/4/20</a:t>
+              <a:pPr/>
+              <a:t>2018/5/2</a:t>
             </a:fld>
             <a:endParaRPr lang="zh-CN" altLang="en-US"/>
           </a:p>
@@ -338,6 +339,7 @@
           <a:p>
             <a:fld id="{144D815B-69F7-41FB-BD30-7510671EAE98}" type="slidenum">
               <a:rPr lang="zh-CN" altLang="en-US" smtClean="0"/>
+              <a:pPr/>
               <a:t>‹#›</a:t>
             </a:fld>
             <a:endParaRPr lang="zh-CN" altLang="en-US"/>
@@ -461,7 +463,8 @@
           <a:p>
             <a:fld id="{1B6BA302-5846-4773-BE8A-B7DDB92A2E4C}" type="datetimeFigureOut">
               <a:rPr lang="zh-CN" altLang="en-US" smtClean="0"/>
-              <a:t>2018/4/20</a:t>
+              <a:pPr/>
+              <a:t>2018/5/2</a:t>
             </a:fld>
             <a:endParaRPr lang="zh-CN" altLang="en-US"/>
           </a:p>
@@ -503,6 +506,7 @@
           <a:p>
             <a:fld id="{144D815B-69F7-41FB-BD30-7510671EAE98}" type="slidenum">
               <a:rPr lang="zh-CN" altLang="en-US" smtClean="0"/>
+              <a:pPr/>
               <a:t>‹#›</a:t>
             </a:fld>
             <a:endParaRPr lang="zh-CN" altLang="en-US"/>
@@ -636,7 +640,8 @@
           <a:p>
             <a:fld id="{1B6BA302-5846-4773-BE8A-B7DDB92A2E4C}" type="datetimeFigureOut">
               <a:rPr lang="zh-CN" altLang="en-US" smtClean="0"/>
-              <a:t>2018/4/20</a:t>
+              <a:pPr/>
+              <a:t>2018/5/2</a:t>
             </a:fld>
             <a:endParaRPr lang="zh-CN" altLang="en-US"/>
           </a:p>
@@ -678,6 +683,7 @@
           <a:p>
             <a:fld id="{144D815B-69F7-41FB-BD30-7510671EAE98}" type="slidenum">
               <a:rPr lang="zh-CN" altLang="en-US" smtClean="0"/>
+              <a:pPr/>
               <a:t>‹#›</a:t>
             </a:fld>
             <a:endParaRPr lang="zh-CN" altLang="en-US"/>
@@ -801,7 +807,8 @@
           <a:p>
             <a:fld id="{1B6BA302-5846-4773-BE8A-B7DDB92A2E4C}" type="datetimeFigureOut">
               <a:rPr lang="zh-CN" altLang="en-US" smtClean="0"/>
-              <a:t>2018/4/20</a:t>
+              <a:pPr/>
+              <a:t>2018/5/2</a:t>
             </a:fld>
             <a:endParaRPr lang="zh-CN" altLang="en-US"/>
           </a:p>
@@ -843,6 +850,7 @@
           <a:p>
             <a:fld id="{144D815B-69F7-41FB-BD30-7510671EAE98}" type="slidenum">
               <a:rPr lang="zh-CN" altLang="en-US" smtClean="0"/>
+              <a:pPr/>
               <a:t>‹#›</a:t>
             </a:fld>
             <a:endParaRPr lang="zh-CN" altLang="en-US"/>
@@ -1042,7 +1050,8 @@
           <a:p>
             <a:fld id="{1B6BA302-5846-4773-BE8A-B7DDB92A2E4C}" type="datetimeFigureOut">
               <a:rPr lang="zh-CN" altLang="en-US" smtClean="0"/>
-              <a:t>2018/4/20</a:t>
+              <a:pPr/>
+              <a:t>2018/5/2</a:t>
             </a:fld>
             <a:endParaRPr lang="zh-CN" altLang="en-US"/>
           </a:p>
@@ -1084,6 +1093,7 @@
           <a:p>
             <a:fld id="{144D815B-69F7-41FB-BD30-7510671EAE98}" type="slidenum">
               <a:rPr lang="zh-CN" altLang="en-US" smtClean="0"/>
+              <a:pPr/>
               <a:t>‹#›</a:t>
             </a:fld>
             <a:endParaRPr lang="zh-CN" altLang="en-US"/>
@@ -1325,7 +1335,8 @@
           <a:p>
             <a:fld id="{1B6BA302-5846-4773-BE8A-B7DDB92A2E4C}" type="datetimeFigureOut">
               <a:rPr lang="zh-CN" altLang="en-US" smtClean="0"/>
-              <a:t>2018/4/20</a:t>
+              <a:pPr/>
+              <a:t>2018/5/2</a:t>
             </a:fld>
             <a:endParaRPr lang="zh-CN" altLang="en-US"/>
           </a:p>
@@ -1367,6 +1378,7 @@
           <a:p>
             <a:fld id="{144D815B-69F7-41FB-BD30-7510671EAE98}" type="slidenum">
               <a:rPr lang="zh-CN" altLang="en-US" smtClean="0"/>
+              <a:pPr/>
               <a:t>‹#›</a:t>
             </a:fld>
             <a:endParaRPr lang="zh-CN" altLang="en-US"/>
@@ -1742,7 +1754,8 @@
           <a:p>
             <a:fld id="{1B6BA302-5846-4773-BE8A-B7DDB92A2E4C}" type="datetimeFigureOut">
               <a:rPr lang="zh-CN" altLang="en-US" smtClean="0"/>
-              <a:t>2018/4/20</a:t>
+              <a:pPr/>
+              <a:t>2018/5/2</a:t>
             </a:fld>
             <a:endParaRPr lang="zh-CN" altLang="en-US"/>
           </a:p>
@@ -1784,6 +1797,7 @@
           <a:p>
             <a:fld id="{144D815B-69F7-41FB-BD30-7510671EAE98}" type="slidenum">
               <a:rPr lang="zh-CN" altLang="en-US" smtClean="0"/>
+              <a:pPr/>
               <a:t>‹#›</a:t>
             </a:fld>
             <a:endParaRPr lang="zh-CN" altLang="en-US"/>
@@ -1855,7 +1869,8 @@
           <a:p>
             <a:fld id="{1B6BA302-5846-4773-BE8A-B7DDB92A2E4C}" type="datetimeFigureOut">
               <a:rPr lang="zh-CN" altLang="en-US" smtClean="0"/>
-              <a:t>2018/4/20</a:t>
+              <a:pPr/>
+              <a:t>2018/5/2</a:t>
             </a:fld>
             <a:endParaRPr lang="zh-CN" altLang="en-US"/>
           </a:p>
@@ -1897,6 +1912,7 @@
           <a:p>
             <a:fld id="{144D815B-69F7-41FB-BD30-7510671EAE98}" type="slidenum">
               <a:rPr lang="zh-CN" altLang="en-US" smtClean="0"/>
+              <a:pPr/>
               <a:t>‹#›</a:t>
             </a:fld>
             <a:endParaRPr lang="zh-CN" altLang="en-US"/>
@@ -1945,7 +1961,8 @@
           <a:p>
             <a:fld id="{1B6BA302-5846-4773-BE8A-B7DDB92A2E4C}" type="datetimeFigureOut">
               <a:rPr lang="zh-CN" altLang="en-US" smtClean="0"/>
-              <a:t>2018/4/20</a:t>
+              <a:pPr/>
+              <a:t>2018/5/2</a:t>
             </a:fld>
             <a:endParaRPr lang="zh-CN" altLang="en-US"/>
           </a:p>
@@ -1987,6 +2004,7 @@
           <a:p>
             <a:fld id="{144D815B-69F7-41FB-BD30-7510671EAE98}" type="slidenum">
               <a:rPr lang="zh-CN" altLang="en-US" smtClean="0"/>
+              <a:pPr/>
               <a:t>‹#›</a:t>
             </a:fld>
             <a:endParaRPr lang="zh-CN" altLang="en-US"/>
@@ -2217,7 +2235,8 @@
           <a:p>
             <a:fld id="{1B6BA302-5846-4773-BE8A-B7DDB92A2E4C}" type="datetimeFigureOut">
               <a:rPr lang="zh-CN" altLang="en-US" smtClean="0"/>
-              <a:t>2018/4/20</a:t>
+              <a:pPr/>
+              <a:t>2018/5/2</a:t>
             </a:fld>
             <a:endParaRPr lang="zh-CN" altLang="en-US"/>
           </a:p>
@@ -2259,6 +2278,7 @@
           <a:p>
             <a:fld id="{144D815B-69F7-41FB-BD30-7510671EAE98}" type="slidenum">
               <a:rPr lang="zh-CN" altLang="en-US" smtClean="0"/>
+              <a:pPr/>
               <a:t>‹#›</a:t>
             </a:fld>
             <a:endParaRPr lang="zh-CN" altLang="en-US"/>
@@ -2465,7 +2485,8 @@
           <a:p>
             <a:fld id="{1B6BA302-5846-4773-BE8A-B7DDB92A2E4C}" type="datetimeFigureOut">
               <a:rPr lang="zh-CN" altLang="en-US" smtClean="0"/>
-              <a:t>2018/4/20</a:t>
+              <a:pPr/>
+              <a:t>2018/5/2</a:t>
             </a:fld>
             <a:endParaRPr lang="zh-CN" altLang="en-US"/>
           </a:p>
@@ -2507,6 +2528,7 @@
           <a:p>
             <a:fld id="{144D815B-69F7-41FB-BD30-7510671EAE98}" type="slidenum">
               <a:rPr lang="zh-CN" altLang="en-US" smtClean="0"/>
+              <a:pPr/>
               <a:t>‹#›</a:t>
             </a:fld>
             <a:endParaRPr lang="zh-CN" altLang="en-US"/>
@@ -2673,7 +2695,8 @@
           <a:p>
             <a:fld id="{1B6BA302-5846-4773-BE8A-B7DDB92A2E4C}" type="datetimeFigureOut">
               <a:rPr lang="zh-CN" altLang="en-US" smtClean="0"/>
-              <a:t>2018/4/20</a:t>
+              <a:pPr/>
+              <a:t>2018/5/2</a:t>
             </a:fld>
             <a:endParaRPr lang="zh-CN" altLang="en-US"/>
           </a:p>
@@ -2751,6 +2774,7 @@
           <a:p>
             <a:fld id="{144D815B-69F7-41FB-BD30-7510671EAE98}" type="slidenum">
               <a:rPr lang="zh-CN" altLang="en-US" smtClean="0"/>
+              <a:pPr/>
               <a:t>‹#›</a:t>
             </a:fld>
             <a:endParaRPr lang="zh-CN" altLang="en-US"/>
@@ -3182,8 +3206,9 @@
           <a:p>
             <a:r>
               <a:rPr lang="en-US" altLang="zh-CN" dirty="0" smtClean="0"/>
-              <a:t>Contribution </a:t>
-            </a:r>
+              <a:t>Contributions </a:t>
+            </a:r>
+            <a:endParaRPr lang="en-US" altLang="zh-CN" dirty="0" smtClean="0"/>
           </a:p>
           <a:p>
             <a:pPr lvl="1"/>
@@ -3209,8 +3234,13 @@
           <a:p>
             <a:r>
               <a:rPr lang="en-US" altLang="zh-CN" dirty="0" smtClean="0"/>
-              <a:t>Primary Result</a:t>
-            </a:r>
+              <a:t>Primary </a:t>
+            </a:r>
+            <a:r>
+              <a:rPr lang="en-US" altLang="zh-CN" dirty="0" smtClean="0"/>
+              <a:t>Results</a:t>
+            </a:r>
+            <a:endParaRPr lang="en-US" altLang="zh-CN" dirty="0" smtClean="0"/>
           </a:p>
           <a:p>
             <a:r>
@@ -3814,12 +3844,20 @@
               <a:t>Pair &lt;</a:t>
             </a:r>
             <a:r>
-              <a:rPr lang="en-US" altLang="zh-CN" dirty="0" err="1" smtClean="0"/>
-              <a:t>w,l</a:t>
-            </a:r>
-            <a:r>
-              <a:rPr lang="en-US" altLang="zh-CN" dirty="0" smtClean="0"/>
-              <a:t>&gt; winner is superior on the prominent aspect, not too bad on other aspects</a:t>
+              <a:rPr lang="en-US" altLang="zh-CN" dirty="0" smtClean="0"/>
+              <a:t>w&gt;l</a:t>
+            </a:r>
+            <a:r>
+              <a:rPr lang="en-US" altLang="zh-CN" dirty="0" smtClean="0"/>
+              <a:t>&gt; </a:t>
+            </a:r>
+            <a:r>
+              <a:rPr lang="en-US" altLang="zh-CN" dirty="0" smtClean="0"/>
+              <a:t>winner w </a:t>
+            </a:r>
+            <a:r>
+              <a:rPr lang="en-US" altLang="zh-CN" dirty="0" smtClean="0"/>
+              <a:t>is superior on the prominent aspect, not too bad on other aspects</a:t>
             </a:r>
             <a:endParaRPr lang="zh-CN" altLang="en-US" dirty="0"/>
           </a:p>
